--- a/企画書・仕様書/ManipulateMagnetism.pptx
+++ b/企画書・仕様書/ManipulateMagnetism.pptx
@@ -265,7 +265,7 @@
           <a:p>
             <a:fld id="{BBA7F1E5-0640-492A-B4BF-FEFFED4D44F0}" type="datetimeFigureOut">
               <a:rPr kumimoji="1" lang="ja-JP" altLang="en-US" smtClean="0"/>
-              <a:t>2024/2/9</a:t>
+              <a:t>2024/3/4</a:t>
             </a:fld>
             <a:endParaRPr kumimoji="1" lang="ja-JP" altLang="en-US"/>
           </a:p>
@@ -495,7 +495,7 @@
           <a:p>
             <a:fld id="{BBA7F1E5-0640-492A-B4BF-FEFFED4D44F0}" type="datetimeFigureOut">
               <a:rPr kumimoji="1" lang="ja-JP" altLang="en-US" smtClean="0"/>
-              <a:t>2024/2/9</a:t>
+              <a:t>2024/3/4</a:t>
             </a:fld>
             <a:endParaRPr kumimoji="1" lang="ja-JP" altLang="en-US"/>
           </a:p>
@@ -735,7 +735,7 @@
           <a:p>
             <a:fld id="{BBA7F1E5-0640-492A-B4BF-FEFFED4D44F0}" type="datetimeFigureOut">
               <a:rPr kumimoji="1" lang="ja-JP" altLang="en-US" smtClean="0"/>
-              <a:t>2024/2/9</a:t>
+              <a:t>2024/3/4</a:t>
             </a:fld>
             <a:endParaRPr kumimoji="1" lang="ja-JP" altLang="en-US"/>
           </a:p>
@@ -965,7 +965,7 @@
           <a:p>
             <a:fld id="{BBA7F1E5-0640-492A-B4BF-FEFFED4D44F0}" type="datetimeFigureOut">
               <a:rPr kumimoji="1" lang="ja-JP" altLang="en-US" smtClean="0"/>
-              <a:t>2024/2/9</a:t>
+              <a:t>2024/3/4</a:t>
             </a:fld>
             <a:endParaRPr kumimoji="1" lang="ja-JP" altLang="en-US"/>
           </a:p>
@@ -1240,7 +1240,7 @@
           <a:p>
             <a:fld id="{BBA7F1E5-0640-492A-B4BF-FEFFED4D44F0}" type="datetimeFigureOut">
               <a:rPr kumimoji="1" lang="ja-JP" altLang="en-US" smtClean="0"/>
-              <a:t>2024/2/9</a:t>
+              <a:t>2024/3/4</a:t>
             </a:fld>
             <a:endParaRPr kumimoji="1" lang="ja-JP" altLang="en-US"/>
           </a:p>
@@ -1569,7 +1569,7 @@
           <a:p>
             <a:fld id="{BBA7F1E5-0640-492A-B4BF-FEFFED4D44F0}" type="datetimeFigureOut">
               <a:rPr kumimoji="1" lang="ja-JP" altLang="en-US" smtClean="0"/>
-              <a:t>2024/2/9</a:t>
+              <a:t>2024/3/4</a:t>
             </a:fld>
             <a:endParaRPr kumimoji="1" lang="ja-JP" altLang="en-US"/>
           </a:p>
@@ -2045,7 +2045,7 @@
           <a:p>
             <a:fld id="{BBA7F1E5-0640-492A-B4BF-FEFFED4D44F0}" type="datetimeFigureOut">
               <a:rPr kumimoji="1" lang="ja-JP" altLang="en-US" smtClean="0"/>
-              <a:t>2024/2/9</a:t>
+              <a:t>2024/3/4</a:t>
             </a:fld>
             <a:endParaRPr kumimoji="1" lang="ja-JP" altLang="en-US"/>
           </a:p>
@@ -2186,7 +2186,7 @@
           <a:p>
             <a:fld id="{BBA7F1E5-0640-492A-B4BF-FEFFED4D44F0}" type="datetimeFigureOut">
               <a:rPr kumimoji="1" lang="ja-JP" altLang="en-US" smtClean="0"/>
-              <a:t>2024/2/9</a:t>
+              <a:t>2024/3/4</a:t>
             </a:fld>
             <a:endParaRPr kumimoji="1" lang="ja-JP" altLang="en-US"/>
           </a:p>
@@ -2299,7 +2299,7 @@
           <a:p>
             <a:fld id="{BBA7F1E5-0640-492A-B4BF-FEFFED4D44F0}" type="datetimeFigureOut">
               <a:rPr kumimoji="1" lang="ja-JP" altLang="en-US" smtClean="0"/>
-              <a:t>2024/2/9</a:t>
+              <a:t>2024/3/4</a:t>
             </a:fld>
             <a:endParaRPr kumimoji="1" lang="ja-JP" altLang="en-US"/>
           </a:p>
@@ -2642,7 +2642,7 @@
           <a:p>
             <a:fld id="{BBA7F1E5-0640-492A-B4BF-FEFFED4D44F0}" type="datetimeFigureOut">
               <a:rPr kumimoji="1" lang="ja-JP" altLang="en-US" smtClean="0"/>
-              <a:t>2024/2/9</a:t>
+              <a:t>2024/3/4</a:t>
             </a:fld>
             <a:endParaRPr kumimoji="1" lang="ja-JP" altLang="en-US"/>
           </a:p>
@@ -2930,7 +2930,7 @@
           <a:p>
             <a:fld id="{BBA7F1E5-0640-492A-B4BF-FEFFED4D44F0}" type="datetimeFigureOut">
               <a:rPr kumimoji="1" lang="ja-JP" altLang="en-US" smtClean="0"/>
-              <a:t>2024/2/9</a:t>
+              <a:t>2024/3/4</a:t>
             </a:fld>
             <a:endParaRPr kumimoji="1" lang="ja-JP" altLang="en-US"/>
           </a:p>
@@ -3203,7 +3203,7 @@
           <a:p>
             <a:fld id="{BBA7F1E5-0640-492A-B4BF-FEFFED4D44F0}" type="datetimeFigureOut">
               <a:rPr kumimoji="1" lang="ja-JP" altLang="en-US" smtClean="0"/>
-              <a:t>2024/2/9</a:t>
+              <a:t>2024/3/4</a:t>
             </a:fld>
             <a:endParaRPr kumimoji="1" lang="ja-JP" altLang="en-US"/>
           </a:p>
@@ -3622,10 +3622,10 @@
       </p:grpSpPr>
       <p:pic>
         <p:nvPicPr>
-          <p:cNvPr id="11" name="グラフィックス 10" descr="磁石">
-            <a:extLst>
-              <a:ext uri="{FF2B5EF4-FFF2-40B4-BE49-F238E27FC236}">
-                <a16:creationId xmlns:a16="http://schemas.microsoft.com/office/drawing/2014/main" id="{61638145-A3EA-4B35-B69F-33F075CFFF71}"/>
+          <p:cNvPr id="9" name="図 8">
+            <a:extLst>
+              <a:ext uri="{FF2B5EF4-FFF2-40B4-BE49-F238E27FC236}">
+                <a16:creationId xmlns:a16="http://schemas.microsoft.com/office/drawing/2014/main" id="{003B25E8-14A9-49E3-BB0A-AF134465CC17}"/>
               </a:ext>
             </a:extLst>
           </p:cNvPr>
@@ -3635,13 +3635,10 @@
           <p:nvPr/>
         </p:nvPicPr>
         <p:blipFill>
-          <a:blip r:embed="rId2">
+          <a:blip r:embed="rId2" cstate="print">
             <a:extLst>
               <a:ext uri="{28A0092B-C50C-407E-A947-70E740481C1C}">
                 <a14:useLocalDpi xmlns:a14="http://schemas.microsoft.com/office/drawing/2010/main" val="0"/>
-              </a:ext>
-              <a:ext uri="{96DAC541-7B7A-43D3-8B79-37D633B846F1}">
-                <asvg:svgBlip xmlns:asvg="http://schemas.microsoft.com/office/drawing/2016/SVG/main" r:embed="rId3"/>
               </a:ext>
             </a:extLst>
           </a:blip>
@@ -3650,66 +3647,13 @@
           </a:stretch>
         </p:blipFill>
         <p:spPr>
-          <a:xfrm rot="-2700000">
-            <a:off x="4198897" y="2096008"/>
-            <a:ext cx="2296648" cy="2296648"/>
+          <a:xfrm>
+            <a:off x="1530245" y="208646"/>
+            <a:ext cx="9131510" cy="5804602"/>
           </a:xfrm>
           <a:prstGeom prst="rect">
             <a:avLst/>
           </a:prstGeom>
-          <a:effectLst>
-            <a:outerShdw blurRad="50800" dist="38100" dir="2700000" algn="tl" rotWithShape="0">
-              <a:prstClr val="black">
-                <a:alpha val="40000"/>
-              </a:prstClr>
-            </a:outerShdw>
-          </a:effectLst>
-        </p:spPr>
-      </p:pic>
-      <p:pic>
-        <p:nvPicPr>
-          <p:cNvPr id="10" name="グラフィックス 9" descr="磁石">
-            <a:extLst>
-              <a:ext uri="{FF2B5EF4-FFF2-40B4-BE49-F238E27FC236}">
-                <a16:creationId xmlns:a16="http://schemas.microsoft.com/office/drawing/2014/main" id="{14EC0EB0-EB79-443E-9FE6-1B0878238BC3}"/>
-              </a:ext>
-            </a:extLst>
-          </p:cNvPr>
-          <p:cNvPicPr>
-            <a:picLocks noChangeAspect="1"/>
-          </p:cNvPicPr>
-          <p:nvPr/>
-        </p:nvPicPr>
-        <p:blipFill>
-          <a:blip r:embed="rId4">
-            <a:extLst>
-              <a:ext uri="{28A0092B-C50C-407E-A947-70E740481C1C}">
-                <a14:useLocalDpi xmlns:a14="http://schemas.microsoft.com/office/drawing/2010/main" val="0"/>
-              </a:ext>
-              <a:ext uri="{96DAC541-7B7A-43D3-8B79-37D633B846F1}">
-                <asvg:svgBlip xmlns:asvg="http://schemas.microsoft.com/office/drawing/2016/SVG/main" r:embed="rId5"/>
-              </a:ext>
-            </a:extLst>
-          </a:blip>
-          <a:stretch>
-            <a:fillRect/>
-          </a:stretch>
-        </p:blipFill>
-        <p:spPr>
-          <a:xfrm rot="8100000">
-            <a:off x="5881480" y="2280675"/>
-            <a:ext cx="2296648" cy="2296648"/>
-          </a:xfrm>
-          <a:prstGeom prst="rect">
-            <a:avLst/>
-          </a:prstGeom>
-          <a:effectLst>
-            <a:outerShdw blurRad="50800" dist="38100" dir="2700000" algn="tl" rotWithShape="0">
-              <a:prstClr val="black">
-                <a:alpha val="40000"/>
-              </a:prstClr>
-            </a:outerShdw>
-          </a:effectLst>
         </p:spPr>
       </p:pic>
       <p:sp>
@@ -3726,7 +3670,7 @@
         </p:nvSpPr>
         <p:spPr>
           <a:xfrm>
-            <a:off x="345695" y="5712614"/>
+            <a:off x="3732211" y="4902866"/>
             <a:ext cx="4727575" cy="830998"/>
           </a:xfrm>
           <a:prstGeom prst="snip1Rect">
@@ -3787,7 +3731,7 @@
         </p:nvSpPr>
         <p:spPr>
           <a:xfrm>
-            <a:off x="345696" y="5745639"/>
+            <a:off x="3732212" y="4935891"/>
             <a:ext cx="4727576" cy="830997"/>
           </a:xfrm>
           <a:prstGeom prst="rect">
@@ -3903,8 +3847,8 @@
         </p:nvSpPr>
         <p:spPr>
           <a:xfrm>
-            <a:off x="7843285" y="6147629"/>
-            <a:ext cx="4003019" cy="400110"/>
+            <a:off x="1991351" y="5916491"/>
+            <a:ext cx="8209299" cy="400110"/>
           </a:xfrm>
           <a:prstGeom prst="rect">
             <a:avLst/>
@@ -3927,19 +3871,7 @@
                   </a:outerShdw>
                 </a:effectLst>
               </a:rPr>
-              <a:t>企画者：阿部翔大郎 </a:t>
-            </a:r>
-            <a:r>
-              <a:rPr lang="en-US" altLang="ja-JP" sz="2000" b="1" dirty="0">
-                <a:effectLst>
-                  <a:outerShdw blurRad="38100" dist="38100" dir="2700000" algn="tl">
-                    <a:srgbClr val="000000">
-                      <a:alpha val="43137"/>
-                    </a:srgbClr>
-                  </a:outerShdw>
-                </a:effectLst>
-              </a:rPr>
-              <a:t>2024/01/23</a:t>
+              <a:t>吉田学園情報ビジネス専門学校 ゲームスペシャリスト学科 阿部翔大郎</a:t>
             </a:r>
             <a:endParaRPr kumimoji="1" lang="ja-JP" altLang="en-US" sz="2000" b="1" dirty="0">
               <a:effectLst>
@@ -3949,127 +3881,6 @@
                   </a:srgbClr>
                 </a:outerShdw>
               </a:effectLst>
-            </a:endParaRPr>
-          </a:p>
-        </p:txBody>
-      </p:sp>
-      <p:sp>
-        <p:nvSpPr>
-          <p:cNvPr id="8" name="テキスト ボックス 7">
-            <a:extLst>
-              <a:ext uri="{FF2B5EF4-FFF2-40B4-BE49-F238E27FC236}">
-                <a16:creationId xmlns:a16="http://schemas.microsoft.com/office/drawing/2014/main" id="{36603C9F-2B41-4696-9C5E-B5F72B120757}"/>
-              </a:ext>
-            </a:extLst>
-          </p:cNvPr>
-          <p:cNvSpPr txBox="1"/>
-          <p:nvPr/>
-        </p:nvSpPr>
-        <p:spPr>
-          <a:xfrm>
-            <a:off x="3948617" y="2028616"/>
-            <a:ext cx="4294765" cy="1446550"/>
-          </a:xfrm>
-          <a:prstGeom prst="rect">
-            <a:avLst/>
-          </a:prstGeom>
-          <a:noFill/>
-        </p:spPr>
-        <p:txBody>
-          <a:bodyPr wrap="none" rtlCol="0">
-            <a:spAutoFit/>
-          </a:bodyPr>
-          <a:lstStyle/>
-          <a:p>
-            <a:pPr algn="ctr"/>
-            <a:r>
-              <a:rPr kumimoji="1" lang="en-US" altLang="ja-JP" sz="8800" b="1" dirty="0">
-                <a:solidFill>
-                  <a:srgbClr val="FF0000"/>
-                </a:solidFill>
-                <a:effectLst>
-                  <a:outerShdw blurRad="38100" dist="38100" dir="2700000" algn="tl">
-                    <a:srgbClr val="000000">
-                      <a:alpha val="43137"/>
-                    </a:srgbClr>
-                  </a:outerShdw>
-                </a:effectLst>
-                <a:latin typeface="Agency FB" panose="020B0503020202020204" pitchFamily="34" charset="0"/>
-              </a:rPr>
-              <a:t>Manipulate</a:t>
-            </a:r>
-            <a:endParaRPr lang="en-US" altLang="ja-JP" sz="8800" b="1" dirty="0">
-              <a:solidFill>
-                <a:srgbClr val="FF0000"/>
-              </a:solidFill>
-              <a:effectLst>
-                <a:outerShdw blurRad="38100" dist="38100" dir="2700000" algn="tl">
-                  <a:srgbClr val="000000">
-                    <a:alpha val="43137"/>
-                  </a:srgbClr>
-                </a:outerShdw>
-              </a:effectLst>
-              <a:latin typeface="Agency FB" panose="020B0503020202020204" pitchFamily="34" charset="0"/>
-            </a:endParaRPr>
-          </a:p>
-        </p:txBody>
-      </p:sp>
-      <p:sp>
-        <p:nvSpPr>
-          <p:cNvPr id="2" name="正方形/長方形 1">
-            <a:extLst>
-              <a:ext uri="{FF2B5EF4-FFF2-40B4-BE49-F238E27FC236}">
-                <a16:creationId xmlns:a16="http://schemas.microsoft.com/office/drawing/2014/main" id="{79966F31-FBE8-4AA3-80CC-FF66787336E6}"/>
-              </a:ext>
-            </a:extLst>
-          </p:cNvPr>
-          <p:cNvSpPr/>
-          <p:nvPr/>
-        </p:nvSpPr>
-        <p:spPr>
-          <a:xfrm flipV="1">
-            <a:off x="3938999" y="3244333"/>
-            <a:ext cx="4304383" cy="1446550"/>
-          </a:xfrm>
-          <a:prstGeom prst="rect">
-            <a:avLst/>
-          </a:prstGeom>
-        </p:spPr>
-        <p:txBody>
-          <a:bodyPr wrap="none">
-            <a:spAutoFit/>
-          </a:bodyPr>
-          <a:lstStyle/>
-          <a:p>
-            <a:pPr algn="ctr"/>
-            <a:r>
-              <a:rPr lang="en-US" altLang="ja-JP" sz="8800" b="1" dirty="0">
-                <a:solidFill>
-                  <a:srgbClr val="0070C0"/>
-                </a:solidFill>
-                <a:effectLst>
-                  <a:outerShdw blurRad="38100" dist="38100" dir="2700000" algn="tl">
-                    <a:srgbClr val="000000">
-                      <a:alpha val="43137"/>
-                    </a:srgbClr>
-                  </a:outerShdw>
-                </a:effectLst>
-                <a:latin typeface="Agency FB" panose="020B0503020202020204" pitchFamily="34" charset="0"/>
-              </a:rPr>
-              <a:t>Magnetism</a:t>
-            </a:r>
-            <a:endParaRPr lang="ja-JP" altLang="en-US" sz="8000" b="1" dirty="0">
-              <a:solidFill>
-                <a:srgbClr val="0070C0"/>
-              </a:solidFill>
-              <a:effectLst>
-                <a:outerShdw blurRad="38100" dist="38100" dir="2700000" algn="tl">
-                  <a:srgbClr val="000000">
-                    <a:alpha val="43137"/>
-                  </a:srgbClr>
-                </a:outerShdw>
-              </a:effectLst>
-              <a:latin typeface="Agency FB" panose="020B0503020202020204" pitchFamily="34" charset="0"/>
             </a:endParaRPr>
           </a:p>
         </p:txBody>
